--- a/documentation/Java training 21- Maven - Custom Plugin.pptx
+++ b/documentation/Java training 21- Maven - Custom Plugin.pptx
@@ -236,7 +236,7 @@
             <a:fld id="{2906F761-BB22-494E-B954-A2579A101DB0}" type="datetime2">
               <a:rPr lang="hu-HU" smtClean="0"/>
               <a:pPr/>
-              <a:t>kedd, 2015. június 30.</a:t>
+              <a:t>szerda, 2015. július 1.</a:t>
             </a:fld>
             <a:endParaRPr lang="hu-HU"/>
           </a:p>
@@ -412,7 +412,7 @@
             <a:fld id="{7D490363-779E-4375-B091-646437D6DAEB}" type="datetime2">
               <a:rPr lang="hu-HU" smtClean="0"/>
               <a:pPr/>
-              <a:t>kedd, 2015. június 30.</a:t>
+              <a:t>szerda, 2015. július 1.</a:t>
             </a:fld>
             <a:endParaRPr lang="hu-HU"/>
           </a:p>
@@ -3832,6 +3832,18 @@
           </a:p>
           <a:p>
             <a:r>
+              <a:rPr lang="hu-HU" dirty="0" err="1"/>
+              <a:t>m</a:t>
+            </a:r>
+            <a:r>
+              <a:rPr lang="hu-HU" dirty="0" err="1" smtClean="0"/>
+              <a:t>vn</a:t>
+            </a:r>
+            <a:r>
+              <a:rPr lang="hu-HU" dirty="0" smtClean="0"/>
+              <a:t> </a:t>
+            </a:r>
+            <a:r>
               <a:rPr lang="hu-HU" dirty="0" err="1" smtClean="0"/>
               <a:t>details</a:t>
             </a:r>
@@ -4012,7 +4024,6 @@
               <a:rPr lang="hu-HU" sz="1400" dirty="0"/>
               <a:t>&gt;</a:t>
             </a:r>
-            <a:endParaRPr lang="hu-HU" sz="1400" dirty="0"/>
           </a:p>
         </p:txBody>
       </p:sp>
@@ -5876,21 +5887,6 @@
 </file>
 
 <file path=customXml/item1.xml><?xml version="1.0" encoding="utf-8"?>
-<p:properties xmlns:p="http://schemas.microsoft.com/office/2006/metadata/properties" xmlns:xsi="http://www.w3.org/2001/XMLSchema-instance">
-  <documentManagement/>
-</p:properties>
-</file>
-
-<file path=customXml/item2.xml><?xml version="1.0" encoding="utf-8"?>
-<?mso-contentType ?>
-<FormTemplates xmlns="http://schemas.microsoft.com/sharepoint/v3/contenttype/forms">
-  <Display>DocumentLibraryForm</Display>
-  <Edit>DocumentLibraryForm</Edit>
-  <New>DocumentLibraryForm</New>
-</FormTemplates>
-</file>
-
-<file path=customXml/item3.xml><?xml version="1.0" encoding="utf-8"?>
 <ct:contentTypeSchema xmlns:ct="http://schemas.microsoft.com/office/2006/metadata/contentType" xmlns:ma="http://schemas.microsoft.com/office/2006/metadata/properties/metaAttributes" ct:_="" ma:_="" ma:contentTypeName="Dokumentum" ma:contentTypeID="0x010100A08ADBFDD6856F4A9C75C7A19E8E8B68" ma:contentTypeVersion="0" ma:contentTypeDescription="Új dokumentum létrehozása." ma:contentTypeScope="" ma:versionID="4dd8b60a5bbd2157c64cb02e3ac80a57">
   <xsd:schema xmlns:xsd="http://www.w3.org/2001/XMLSchema" xmlns:xs="http://www.w3.org/2001/XMLSchema" xmlns:p="http://schemas.microsoft.com/office/2006/metadata/properties" targetNamespace="http://schemas.microsoft.com/office/2006/metadata/properties" ma:root="true" ma:fieldsID="7272c3706e31d85aa278778a1025862f">
     <xsd:element name="properties">
@@ -6004,17 +6000,33 @@
 </ct:contentTypeSchema>
 </file>
 
+<file path=customXml/item2.xml><?xml version="1.0" encoding="utf-8"?>
+<?mso-contentType ?>
+<FormTemplates xmlns="http://schemas.microsoft.com/sharepoint/v3/contenttype/forms">
+  <Display>DocumentLibraryForm</Display>
+  <Edit>DocumentLibraryForm</Edit>
+  <New>DocumentLibraryForm</New>
+</FormTemplates>
+</file>
+
+<file path=customXml/item3.xml><?xml version="1.0" encoding="utf-8"?>
+<p:properties xmlns:p="http://schemas.microsoft.com/office/2006/metadata/properties" xmlns:xsi="http://www.w3.org/2001/XMLSchema-instance">
+  <documentManagement/>
+</p:properties>
+</file>
+
 <file path=customXml/itemProps1.xml><?xml version="1.0" encoding="utf-8"?>
-<ds:datastoreItem xmlns:ds="http://schemas.openxmlformats.org/officeDocument/2006/customXml" ds:itemID="{F3CCC4CA-4BEB-4510-824C-DF43798E36B9}">
+<ds:datastoreItem xmlns:ds="http://schemas.openxmlformats.org/officeDocument/2006/customXml" ds:itemID="{368D4829-138B-47E7-A04A-CBA7A43AE894}">
   <ds:schemaRefs>
+    <ds:schemaRef ds:uri="http://schemas.microsoft.com/office/2006/metadata/contentType"/>
+    <ds:schemaRef ds:uri="http://schemas.microsoft.com/office/2006/metadata/properties/metaAttributes"/>
+    <ds:schemaRef ds:uri="http://www.w3.org/2001/XMLSchema"/>
+    <ds:schemaRef ds:uri="http://schemas.microsoft.com/office/2006/metadata/properties"/>
+    <ds:schemaRef ds:uri="http://schemas.openxmlformats.org/package/2006/metadata/core-properties"/>
     <ds:schemaRef ds:uri="http://purl.org/dc/elements/1.1/"/>
-    <ds:schemaRef ds:uri="http://schemas.microsoft.com/office/2006/documentManagement/types"/>
-    <ds:schemaRef ds:uri="http://schemas.microsoft.com/office/2006/metadata/properties"/>
-    <ds:schemaRef ds:uri="http://www.w3.org/XML/1998/namespace"/>
+    <ds:schemaRef ds:uri="http://purl.org/dc/terms/"/>
+    <ds:schemaRef ds:uri="http://schemas.microsoft.com/internal/obd"/>
     <ds:schemaRef ds:uri="http://schemas.microsoft.com/office/infopath/2007/PartnerControls"/>
-    <ds:schemaRef ds:uri="http://schemas.openxmlformats.org/package/2006/metadata/core-properties"/>
-    <ds:schemaRef ds:uri="http://purl.org/dc/dcmitype/"/>
-    <ds:schemaRef ds:uri="http://purl.org/dc/terms/"/>
   </ds:schemaRefs>
 </ds:datastoreItem>
 </file>
@@ -6028,17 +6040,16 @@
 </file>
 
 <file path=customXml/itemProps3.xml><?xml version="1.0" encoding="utf-8"?>
-<ds:datastoreItem xmlns:ds="http://schemas.openxmlformats.org/officeDocument/2006/customXml" ds:itemID="{368D4829-138B-47E7-A04A-CBA7A43AE894}">
+<ds:datastoreItem xmlns:ds="http://schemas.openxmlformats.org/officeDocument/2006/customXml" ds:itemID="{F3CCC4CA-4BEB-4510-824C-DF43798E36B9}">
   <ds:schemaRefs>
-    <ds:schemaRef ds:uri="http://schemas.microsoft.com/office/2006/metadata/contentType"/>
-    <ds:schemaRef ds:uri="http://schemas.microsoft.com/office/2006/metadata/properties/metaAttributes"/>
-    <ds:schemaRef ds:uri="http://www.w3.org/2001/XMLSchema"/>
+    <ds:schemaRef ds:uri="http://purl.org/dc/elements/1.1/"/>
+    <ds:schemaRef ds:uri="http://schemas.microsoft.com/office/2006/documentManagement/types"/>
     <ds:schemaRef ds:uri="http://schemas.microsoft.com/office/2006/metadata/properties"/>
+    <ds:schemaRef ds:uri="http://www.w3.org/XML/1998/namespace"/>
+    <ds:schemaRef ds:uri="http://schemas.microsoft.com/office/infopath/2007/PartnerControls"/>
     <ds:schemaRef ds:uri="http://schemas.openxmlformats.org/package/2006/metadata/core-properties"/>
-    <ds:schemaRef ds:uri="http://purl.org/dc/elements/1.1/"/>
+    <ds:schemaRef ds:uri="http://purl.org/dc/dcmitype/"/>
     <ds:schemaRef ds:uri="http://purl.org/dc/terms/"/>
-    <ds:schemaRef ds:uri="http://schemas.microsoft.com/internal/obd"/>
-    <ds:schemaRef ds:uri="http://schemas.microsoft.com/office/infopath/2007/PartnerControls"/>
   </ds:schemaRefs>
 </ds:datastoreItem>
 </file>